--- a/pptx/Red Sea Security Threats.pptx
+++ b/pptx/Red Sea Security Threats.pptx
@@ -3103,9 +3103,8 @@
           <a:bodyPr/>
           <a:lstStyle/>
           <a:p>
-            <a:pPr algn="l"/>
-            <a:r>
-              <a:t>Key Insights from the European Parliament Briefing on Red Sea Security Threats</a:t>
+            <a:r>
+              <a:t>Endnotes of the March 2024 EPRS Briefing on Red Sea Threats</a:t>
             </a:r>
           </a:p>
         </p:txBody>
@@ -3124,12 +3123,7 @@
         <p:txBody>
           <a:bodyPr/>
           <a:lstStyle/>
-          <a:p>
-            <a:pPr algn="l"/>
-            <a:r>
-              <a:t>Information:</a:t>
-            </a:r>
-          </a:p>
+          <a:p/>
         </p:txBody>
       </p:sp>
       <p:sp>
@@ -3140,8 +3134,8 @@
         </p:nvSpPr>
         <p:spPr>
           <a:xfrm>
-            <a:off x="914400" y="1828800"/>
-            <a:ext cx="8229600" cy="457200"/>
+            <a:off x="0" y="635000"/>
+            <a:ext cx="6350000" cy="6350000"/>
           </a:xfrm>
           <a:prstGeom prst="rect">
             <a:avLst/>
@@ -3154,290 +3148,145 @@
           </a:bodyPr>
           <a:lstStyle/>
           <a:p>
-            <a:pPr>
-              <a:defRPr sz="1080"/>
-            </a:pPr>
-            <a:r>
-              <a:t>Impact of Houthi Attacks on Shipping Routes</a:t>
-            </a:r>
-          </a:p>
-        </p:txBody>
-      </p:sp>
-      <p:sp>
-        <p:nvSpPr>
-          <p:cNvPr id="5" name="TextBox 4"/>
-          <p:cNvSpPr txBox="1"/>
-          <p:nvPr/>
-        </p:nvSpPr>
-        <p:spPr>
-          <a:xfrm>
-            <a:off x="914400" y="2286000"/>
-            <a:ext cx="8229600" cy="457200"/>
-          </a:xfrm>
-          <a:prstGeom prst="rect">
-            <a:avLst/>
-          </a:prstGeom>
-          <a:noFill/>
-        </p:spPr>
-        <p:txBody>
-          <a:bodyPr wrap="none">
-            <a:spAutoFit/>
-          </a:bodyPr>
-          <a:lstStyle/>
-          <a:p>
-            <a:pPr>
-              <a:defRPr sz="1080"/>
-            </a:pPr>
-            <a:r>
-              <a:t>- Since mid-November 2023, Houthi forces have targeted Western ships near the Bab el-Mandeb Strait, forcing major shipping companies to reroute from the Suez Canal, thereby increasing transit times and disrupting global supply chains.</a:t>
-            </a:r>
-          </a:p>
-        </p:txBody>
-      </p:sp>
-      <p:sp>
-        <p:nvSpPr>
-          <p:cNvPr id="6" name="TextBox 5"/>
-          <p:cNvSpPr txBox="1"/>
-          <p:nvPr/>
-        </p:nvSpPr>
-        <p:spPr>
-          <a:xfrm>
-            <a:off x="914400" y="2743200"/>
-            <a:ext cx="8229600" cy="457200"/>
-          </a:xfrm>
-          <a:prstGeom prst="rect">
-            <a:avLst/>
-          </a:prstGeom>
-          <a:noFill/>
-        </p:spPr>
-        <p:txBody>
-          <a:bodyPr wrap="none">
-            <a:spAutoFit/>
-          </a:bodyPr>
-          <a:lstStyle/>
-          <a:p>
-            <a:pPr>
-              <a:defRPr sz="1080"/>
-            </a:pPr>
-            <a:r>
-              <a:t>Economic Consequences of Shipping Diversions</a:t>
-            </a:r>
-          </a:p>
-        </p:txBody>
-      </p:sp>
-      <p:sp>
-        <p:nvSpPr>
-          <p:cNvPr id="7" name="TextBox 6"/>
-          <p:cNvSpPr txBox="1"/>
-          <p:nvPr/>
-        </p:nvSpPr>
-        <p:spPr>
-          <a:xfrm>
-            <a:off x="914400" y="3200400"/>
-            <a:ext cx="8229600" cy="457200"/>
-          </a:xfrm>
-          <a:prstGeom prst="rect">
-            <a:avLst/>
-          </a:prstGeom>
-          <a:noFill/>
-        </p:spPr>
-        <p:txBody>
-          <a:bodyPr wrap="none">
-            <a:spAutoFit/>
-          </a:bodyPr>
-          <a:lstStyle/>
-          <a:p>
-            <a:pPr>
-              <a:defRPr sz="1080"/>
-            </a:pPr>
-            <a:r>
-              <a:t>- The diversion of shipping routes to the Cape of Good Hope due to attacks and Panama Canal issues has led to increased shipping durations and costs. This has implications for global trade, potentially affecting energy supplies and contributing to inflation pressures.</a:t>
-            </a:r>
-          </a:p>
-        </p:txBody>
-      </p:sp>
-      <p:sp>
-        <p:nvSpPr>
-          <p:cNvPr id="8" name="TextBox 7"/>
-          <p:cNvSpPr txBox="1"/>
-          <p:nvPr/>
-        </p:nvSpPr>
-        <p:spPr>
-          <a:xfrm>
-            <a:off x="914400" y="3657600"/>
-            <a:ext cx="8229600" cy="457200"/>
-          </a:xfrm>
-          <a:prstGeom prst="rect">
-            <a:avLst/>
-          </a:prstGeom>
-          <a:noFill/>
-        </p:spPr>
-        <p:txBody>
-          <a:bodyPr wrap="none">
-            <a:spAutoFit/>
-          </a:bodyPr>
-          <a:lstStyle/>
-          <a:p>
-            <a:pPr>
-              <a:defRPr sz="1080"/>
-            </a:pPr>
-            <a:r>
-              <a:t>Risks to Submarine Communication Cables</a:t>
-            </a:r>
-          </a:p>
-        </p:txBody>
-      </p:sp>
-      <p:sp>
-        <p:nvSpPr>
-          <p:cNvPr id="9" name="TextBox 8"/>
-          <p:cNvSpPr txBox="1"/>
-          <p:nvPr/>
-        </p:nvSpPr>
-        <p:spPr>
-          <a:xfrm>
-            <a:off x="914400" y="4114800"/>
-            <a:ext cx="8229600" cy="457200"/>
-          </a:xfrm>
-          <a:prstGeom prst="rect">
-            <a:avLst/>
-          </a:prstGeom>
-          <a:noFill/>
-        </p:spPr>
-        <p:txBody>
-          <a:bodyPr wrap="none">
-            <a:spAutoFit/>
-          </a:bodyPr>
-          <a:lstStyle/>
-          <a:p>
-            <a:pPr>
-              <a:defRPr sz="1080"/>
-            </a:pPr>
-            <a:r>
-              <a:t>- Damage to submarine communications cables, vital for global connectivity, poses significant risks. This infrastructure is crucial for secure government and commercial communications globally.</a:t>
-            </a:r>
-          </a:p>
-        </p:txBody>
-      </p:sp>
-      <p:sp>
-        <p:nvSpPr>
-          <p:cNvPr id="10" name="TextBox 9"/>
-          <p:cNvSpPr txBox="1"/>
-          <p:nvPr/>
-        </p:nvSpPr>
-        <p:spPr>
-          <a:xfrm>
-            <a:off x="914400" y="4572000"/>
-            <a:ext cx="8229600" cy="457200"/>
-          </a:xfrm>
-          <a:prstGeom prst="rect">
-            <a:avLst/>
-          </a:prstGeom>
-          <a:noFill/>
-        </p:spPr>
-        <p:txBody>
-          <a:bodyPr wrap="none">
-            <a:spAutoFit/>
-          </a:bodyPr>
-          <a:lstStyle/>
-          <a:p>
-            <a:pPr>
-              <a:defRPr sz="1080"/>
-            </a:pPr>
-            <a:r>
-              <a:t>EU's Response to Submarine Cable Threats</a:t>
-            </a:r>
-          </a:p>
-        </p:txBody>
-      </p:sp>
-      <p:sp>
-        <p:nvSpPr>
-          <p:cNvPr id="11" name="TextBox 10"/>
-          <p:cNvSpPr txBox="1"/>
-          <p:nvPr/>
-        </p:nvSpPr>
-        <p:spPr>
-          <a:xfrm>
-            <a:off x="914400" y="5029200"/>
-            <a:ext cx="8229600" cy="457200"/>
-          </a:xfrm>
-          <a:prstGeom prst="rect">
-            <a:avLst/>
-          </a:prstGeom>
-          <a:noFill/>
-        </p:spPr>
-        <p:txBody>
-          <a:bodyPr wrap="none">
-            <a:spAutoFit/>
-          </a:bodyPr>
-          <a:lstStyle/>
-          <a:p>
-            <a:pPr>
-              <a:defRPr sz="1080"/>
-            </a:pPr>
-            <a:r>
-              <a:t>- Following recent incidents, the European Commission has emphasized the need for enhanced security and resilience of submarine cable infrastructures. Recommendations include regular risk assessments, stress-tests, and updated national mappings of cable infrastructure.</a:t>
-            </a:r>
-          </a:p>
-        </p:txBody>
-      </p:sp>
-      <p:sp>
-        <p:nvSpPr>
-          <p:cNvPr id="12" name="TextBox 11"/>
-          <p:cNvSpPr txBox="1"/>
-          <p:nvPr/>
-        </p:nvSpPr>
-        <p:spPr>
-          <a:xfrm>
-            <a:off x="914400" y="5486400"/>
-            <a:ext cx="8229600" cy="457200"/>
-          </a:xfrm>
-          <a:prstGeom prst="rect">
-            <a:avLst/>
-          </a:prstGeom>
-          <a:noFill/>
-        </p:spPr>
-        <p:txBody>
-          <a:bodyPr wrap="none">
-            <a:spAutoFit/>
-          </a:bodyPr>
-          <a:lstStyle/>
-          <a:p>
-            <a:pPr>
-              <a:defRPr sz="1080"/>
-            </a:pPr>
-            <a:r>
-              <a:t>European Parliament's Stance on Connectivity and Security</a:t>
-            </a:r>
-          </a:p>
-        </p:txBody>
-      </p:sp>
-      <p:sp>
-        <p:nvSpPr>
-          <p:cNvPr id="13" name="TextBox 12"/>
-          <p:cNvSpPr txBox="1"/>
-          <p:nvPr/>
-        </p:nvSpPr>
-        <p:spPr>
-          <a:xfrm>
-            <a:off x="914400" y="5943600"/>
-            <a:ext cx="8229600" cy="457200"/>
-          </a:xfrm>
-          <a:prstGeom prst="rect">
-            <a:avLst/>
-          </a:prstGeom>
-          <a:noFill/>
-        </p:spPr>
-        <p:txBody>
-          <a:bodyPr wrap="none">
-            <a:spAutoFit/>
-          </a:bodyPr>
-          <a:lstStyle/>
-          <a:p>
-            <a:pPr>
-              <a:defRPr sz="1080"/>
-            </a:pPr>
-            <a:r>
-              <a:t>- The European Parliament has acknowledged the crucial role of connectivity in addressing new security challenges within the EU and globally, emphasizing cooperation in cybersecurity and digital infrastructure resilience.</a:t>
+            <a:r>
+              <a:rPr sz="800"/>
+              <a:t>1. Shipping Rate Increases</a:t>
+            </a:r>
+          </a:p>
+          <a:p>
+            <a:r>
+              <a:rPr sz="800"/>
+              <a:t>- Freight rates from Shanghai to Europe escalated significantly, with a reported increase of 256%. In contrast, routes to the US west coast saw a lesser increase of 162%.</a:t>
+            </a:r>
+          </a:p>
+          <a:p/>
+          <a:p>
+            <a:r>
+              <a:rPr sz="800"/>
+              <a:t>2. Rising Insurance Costs</a:t>
+            </a:r>
+          </a:p>
+          <a:p>
+            <a:r>
+              <a:rPr sz="800"/>
+              <a:t>- Insurance rates for vessels with cargo valued at $100 million surged from 0.1% to 0.5% or more, translating to an additional cost ranging from $0.5 million to $1 million.</a:t>
+            </a:r>
+          </a:p>
+          <a:p/>
+          <a:p>
+            <a:r>
+              <a:rPr sz="800"/>
+              <a:t>3. Market Index Fluctuations</a:t>
+            </a:r>
+          </a:p>
+          <a:p>
+            <a:r>
+              <a:rPr sz="800"/>
+              <a:t>- The Baltic Dry Index peaked at $3,000 in mid-December 2023 but dropped to $1,503 by January. Similarly, Drewry's World Container Index spiked from $1,521 to $3,777 within the same timeframe.</a:t>
+            </a:r>
+          </a:p>
+          <a:p/>
+          <a:p>
+            <a:r>
+              <a:rPr sz="800"/>
+              <a:t>4. Prevention of Environmental Disaster</a:t>
+            </a:r>
+          </a:p>
+          <a:p>
+            <a:r>
+              <a:rPr sz="800"/>
+              <a:t>- A potential environmental crisis was averted in August 2023 when the contents of the oil tanker FSO Safer were safely removed, preventing a major oil spill.</a:t>
+            </a:r>
+          </a:p>
+          <a:p/>
+          <a:p>
+            <a:r>
+              <a:rPr sz="800"/>
+              <a:t>5. Impact on Manufacturing</a:t>
+            </a:r>
+          </a:p>
+          <a:p>
+            <a:r>
+              <a:rPr sz="800"/>
+              <a:t>- Major companies like Tesla, Volvo, and Suzuki faced production halts due to delays in receiving essential parts, highlighting the disruption to global supply chains.</a:t>
+            </a:r>
+          </a:p>
+          <a:p/>
+          <a:p>
+            <a:r>
+              <a:rPr sz="800"/>
+              <a:t>6. Trade Volume through the Red Sea</a:t>
+            </a:r>
+          </a:p>
+          <a:p>
+            <a:r>
+              <a:rPr sz="800"/>
+              <a:t>- Approximately 40% of the EU's clothing imports and 50% of shoe imports pass through the Red Sea, showcasing its importance to trade.</a:t>
+            </a:r>
+          </a:p>
+          <a:p/>
+          <a:p>
+            <a:r>
+              <a:rPr sz="800"/>
+              <a:t>7. Economic Contribution of the Suez Canal</a:t>
+            </a:r>
+          </a:p>
+          <a:p>
+            <a:r>
+              <a:rPr sz="800"/>
+              <a:t>- The Suez Canal generated $9.4 billion in 2023, accounting for about 2.3% of Egypt's GDP, underscoring its economic significance.</a:t>
+            </a:r>
+          </a:p>
+          <a:p/>
+          <a:p>
+            <a:r>
+              <a:rPr sz="800"/>
+              <a:t>8. Shipping Industry’s Environmental Measures</a:t>
+            </a:r>
+          </a:p>
+          <a:p>
+            <a:r>
+              <a:rPr sz="800"/>
+              <a:t>- Over the past decade, the shipping industry has adopted slower sailing speeds to reduce fuel costs and greenhouse gas emissions, with a 1% increase in speed leading to a 2.2% increase in fuel use.</a:t>
+            </a:r>
+          </a:p>
+          <a:p/>
+          <a:p>
+            <a:r>
+              <a:rPr sz="800"/>
+              <a:t>9. Submarine Cable Specifications</a:t>
+            </a:r>
+          </a:p>
+          <a:p>
+            <a:r>
+              <a:rPr sz="800"/>
+              <a:t>- Submarine cables, critical for global connectivity, typically measure no more than 60mm in diameter, featuring a complex structure designed to ensure durability and functionality undersea.</a:t>
+            </a:r>
+          </a:p>
+          <a:p/>
+          <a:p>
+            <a:r>
+              <a:rPr sz="800"/>
+              <a:t>10. Economic Impact of Internet Outages</a:t>
+            </a:r>
+          </a:p>
+          <a:p>
+            <a:r>
+              <a:rPr sz="800"/>
+              <a:t>- A significant financial loss was reported due to internet outages, with damages amounting to approximately $130 million over two weeks, highlighting the critical nature of submarine cables.</a:t>
+            </a:r>
+          </a:p>
+          <a:p/>
+          <a:p>
+            <a:r>
+              <a:rPr sz="800"/>
+              <a:t>11. EU Funding for Submarine Cable Security</a:t>
+            </a:r>
+          </a:p>
+          <a:p>
+            <a:r>
+              <a:rPr sz="800"/>
+              <a:t>- The EU could support submarine cable projects through various financial mechanisms including grants, procurement, and public-private partnerships, emphasizing the importance of securing internet infrastructure.</a:t>
             </a:r>
           </a:p>
         </p:txBody>

--- a/pptx/Red Sea Security Threats.pptx
+++ b/pptx/Red Sea Security Threats.pptx
@@ -6,6 +6,8 @@
   </p:sldMasterIdLst>
   <p:sldIdLst>
     <p:sldId id="256" r:id="rId7"/>
+    <p:sldId id="257" r:id="rId8"/>
+    <p:sldId id="258" r:id="rId9"/>
   </p:sldIdLst>
   <p:sldSz cx="9144000" cy="6858000" type="screen4x3"/>
   <p:notesSz cx="6858000" cy="9144000"/>
@@ -3104,7 +3106,7 @@
           <a:lstStyle/>
           <a:p>
             <a:r>
-              <a:t>Endnotes of the March 2024 EPRS Briefing on Red Sea Threats</a:t>
+              <a:t>Endnotes of the March 2024 EPRS Briefing on Recent Threats in the Red Sea</a:t>
             </a:r>
           </a:p>
         </p:txBody>
@@ -3126,167 +3128,172 @@
           <a:p/>
         </p:txBody>
       </p:sp>
-      <p:sp>
-        <p:nvSpPr>
-          <p:cNvPr id="4" name="TextBox 3"/>
-          <p:cNvSpPr txBox="1"/>
-          <p:nvPr/>
-        </p:nvSpPr>
-        <p:spPr>
-          <a:xfrm>
-            <a:off x="0" y="635000"/>
-            <a:ext cx="6350000" cy="6350000"/>
-          </a:xfrm>
-          <a:prstGeom prst="rect">
-            <a:avLst/>
-          </a:prstGeom>
-          <a:noFill/>
-        </p:spPr>
-        <p:txBody>
-          <a:bodyPr wrap="none">
-            <a:spAutoFit/>
-          </a:bodyPr>
-          <a:lstStyle/>
-          <a:p>
-            <a:r>
-              <a:rPr sz="800"/>
-              <a:t>1. Shipping Rate Increases</a:t>
-            </a:r>
-          </a:p>
-          <a:p>
-            <a:r>
-              <a:rPr sz="800"/>
-              <a:t>- Freight rates from Shanghai to Europe escalated significantly, with a reported increase of 256%. In contrast, routes to the US west coast saw a lesser increase of 162%.</a:t>
-            </a:r>
-          </a:p>
-          <a:p/>
-          <a:p>
-            <a:r>
-              <a:rPr sz="800"/>
-              <a:t>2. Rising Insurance Costs</a:t>
-            </a:r>
-          </a:p>
-          <a:p>
-            <a:r>
-              <a:rPr sz="800"/>
-              <a:t>- Insurance rates for vessels with cargo valued at $100 million surged from 0.1% to 0.5% or more, translating to an additional cost ranging from $0.5 million to $1 million.</a:t>
-            </a:r>
-          </a:p>
-          <a:p/>
-          <a:p>
-            <a:r>
-              <a:rPr sz="800"/>
-              <a:t>3. Market Index Fluctuations</a:t>
-            </a:r>
-          </a:p>
-          <a:p>
-            <a:r>
-              <a:rPr sz="800"/>
-              <a:t>- The Baltic Dry Index peaked at $3,000 in mid-December 2023 but dropped to $1,503 by January. Similarly, Drewry's World Container Index spiked from $1,521 to $3,777 within the same timeframe.</a:t>
-            </a:r>
-          </a:p>
-          <a:p/>
-          <a:p>
-            <a:r>
-              <a:rPr sz="800"/>
-              <a:t>4. Prevention of Environmental Disaster</a:t>
-            </a:r>
-          </a:p>
-          <a:p>
-            <a:r>
-              <a:rPr sz="800"/>
-              <a:t>- A potential environmental crisis was averted in August 2023 when the contents of the oil tanker FSO Safer were safely removed, preventing a major oil spill.</a:t>
-            </a:r>
-          </a:p>
-          <a:p/>
-          <a:p>
-            <a:r>
-              <a:rPr sz="800"/>
-              <a:t>5. Impact on Manufacturing</a:t>
-            </a:r>
-          </a:p>
-          <a:p>
-            <a:r>
-              <a:rPr sz="800"/>
-              <a:t>- Major companies like Tesla, Volvo, and Suzuki faced production halts due to delays in receiving essential parts, highlighting the disruption to global supply chains.</a:t>
-            </a:r>
-          </a:p>
-          <a:p/>
-          <a:p>
-            <a:r>
-              <a:rPr sz="800"/>
-              <a:t>6. Trade Volume through the Red Sea</a:t>
-            </a:r>
-          </a:p>
-          <a:p>
-            <a:r>
-              <a:rPr sz="800"/>
-              <a:t>- Approximately 40% of the EU's clothing imports and 50% of shoe imports pass through the Red Sea, showcasing its importance to trade.</a:t>
-            </a:r>
-          </a:p>
-          <a:p/>
-          <a:p>
-            <a:r>
-              <a:rPr sz="800"/>
-              <a:t>7. Economic Contribution of the Suez Canal</a:t>
-            </a:r>
-          </a:p>
-          <a:p>
-            <a:r>
-              <a:rPr sz="800"/>
-              <a:t>- The Suez Canal generated $9.4 billion in 2023, accounting for about 2.3% of Egypt's GDP, underscoring its economic significance.</a:t>
-            </a:r>
-          </a:p>
-          <a:p/>
-          <a:p>
-            <a:r>
-              <a:rPr sz="800"/>
-              <a:t>8. Shipping Industry’s Environmental Measures</a:t>
-            </a:r>
-          </a:p>
-          <a:p>
-            <a:r>
-              <a:rPr sz="800"/>
-              <a:t>- Over the past decade, the shipping industry has adopted slower sailing speeds to reduce fuel costs and greenhouse gas emissions, with a 1% increase in speed leading to a 2.2% increase in fuel use.</a:t>
-            </a:r>
-          </a:p>
-          <a:p/>
-          <a:p>
-            <a:r>
-              <a:rPr sz="800"/>
-              <a:t>9. Submarine Cable Specifications</a:t>
-            </a:r>
-          </a:p>
-          <a:p>
-            <a:r>
-              <a:rPr sz="800"/>
-              <a:t>- Submarine cables, critical for global connectivity, typically measure no more than 60mm in diameter, featuring a complex structure designed to ensure durability and functionality undersea.</a:t>
-            </a:r>
-          </a:p>
-          <a:p/>
-          <a:p>
-            <a:r>
-              <a:rPr sz="800"/>
-              <a:t>10. Economic Impact of Internet Outages</a:t>
-            </a:r>
-          </a:p>
-          <a:p>
-            <a:r>
-              <a:rPr sz="800"/>
-              <a:t>- A significant financial loss was reported due to internet outages, with damages amounting to approximately $130 million over two weeks, highlighting the critical nature of submarine cables.</a:t>
-            </a:r>
-          </a:p>
-          <a:p/>
-          <a:p>
-            <a:r>
-              <a:rPr sz="800"/>
-              <a:t>11. EU Funding for Submarine Cable Security</a:t>
-            </a:r>
-          </a:p>
-          <a:p>
-            <a:r>
-              <a:rPr sz="800"/>
-              <a:t>- The EU could support submarine cable projects through various financial mechanisms including grants, procurement, and public-private partnerships, emphasizing the importance of securing internet infrastructure.</a:t>
+    </p:spTree>
+  </p:cSld>
+  <p:clrMapOvr>
+    <a:masterClrMapping/>
+  </p:clrMapOvr>
+</p:sld>
+</file>
+
+<file path=ppt/slides/slide2.xml><?xml version="1.0" encoding="utf-8"?>
+<p:sld xmlns:a="http://schemas.openxmlformats.org/drawingml/2006/main" xmlns:p="http://schemas.openxmlformats.org/presentationml/2006/main" xmlns:r="http://schemas.openxmlformats.org/officeDocument/2006/relationships">
+  <p:cSld>
+    <p:spTree>
+      <p:nvGrpSpPr>
+        <p:cNvPr id="1" name=""/>
+        <p:cNvGrpSpPr/>
+        <p:nvPr/>
+      </p:nvGrpSpPr>
+      <p:grpSpPr/>
+      <p:sp>
+        <p:nvSpPr>
+          <p:cNvPr id="2" name="Title 1"/>
+          <p:cNvSpPr>
+            <a:spLocks noGrp="1"/>
+          </p:cNvSpPr>
+          <p:nvPr>
+            <p:ph type="title"/>
+          </p:nvPr>
+        </p:nvSpPr>
+        <p:spPr/>
+        <p:txBody>
+          <a:bodyPr/>
+          <a:lstStyle/>
+          <a:p>
+            <a:r>
+              <a:t>Authorship and Research Team</a:t>
+            </a:r>
+          </a:p>
+        </p:txBody>
+      </p:sp>
+      <p:sp>
+        <p:nvSpPr>
+          <p:cNvPr id="3" name="Content Placeholder 2"/>
+          <p:cNvSpPr>
+            <a:spLocks noGrp="1"/>
+          </p:cNvSpPr>
+          <p:nvPr>
+            <p:ph idx="1"/>
+          </p:nvPr>
+        </p:nvSpPr>
+        <p:spPr/>
+        <p:txBody>
+          <a:bodyPr/>
+          <a:lstStyle/>
+          <a:p>
+            <a:r>
+              <a:rPr sz="2000"/>
+              <a:t>1. The briefing was authored by Angelos Delivorias with graphic support from Samy Chahri, under the European Parliamentary Research Service.</a:t>
+            </a:r>
+          </a:p>
+          <a:p>
+            <a:r>
+              <a:rPr sz="2000"/>
+              <a:t>2. The document is cataloged as PE 760.390 and was published in March 2024, labeled in English (EN).</a:t>
+            </a:r>
+          </a:p>
+          <a:p>
+            <a:r>
+              <a:rPr sz="2000"/>
+              <a:t>3. The document focuses on the recent attacks by the Iran-backed Houthi militia on commercial shipping in the Red Sea, particularly near the Bab el-Mandeb Strait.</a:t>
+            </a:r>
+          </a:p>
+          <a:p>
+            <a:r>
+              <a:rPr sz="2000"/>
+              <a:t>4. It discusses the economic impacts on regional and EU economies, highlighting disruptions in global supply chains and potential inflationary pressures.</a:t>
+            </a:r>
+          </a:p>
+          <a:p>
+            <a:r>
+              <a:rPr sz="2000"/>
+              <a:t>5. Due to the attacks, major shipping companies have suspended transits through the Suez Canal, opting for the longer route around the Cape of Good Hope.</a:t>
+            </a:r>
+          </a:p>
+        </p:txBody>
+      </p:sp>
+    </p:spTree>
+  </p:cSld>
+  <p:clrMapOvr>
+    <a:masterClrMapping/>
+  </p:clrMapOvr>
+</p:sld>
+</file>
+
+<file path=ppt/slides/slide3.xml><?xml version="1.0" encoding="utf-8"?>
+<p:sld xmlns:a="http://schemas.openxmlformats.org/drawingml/2006/main" xmlns:p="http://schemas.openxmlformats.org/presentationml/2006/main" xmlns:r="http://schemas.openxmlformats.org/officeDocument/2006/relationships">
+  <p:cSld>
+    <p:spTree>
+      <p:nvGrpSpPr>
+        <p:cNvPr id="1" name=""/>
+        <p:cNvGrpSpPr/>
+        <p:nvPr/>
+      </p:nvGrpSpPr>
+      <p:grpSpPr/>
+      <p:sp>
+        <p:nvSpPr>
+          <p:cNvPr id="2" name="Title 1"/>
+          <p:cNvSpPr>
+            <a:spLocks noGrp="1"/>
+          </p:cNvSpPr>
+          <p:nvPr>
+            <p:ph type="title"/>
+          </p:nvPr>
+        </p:nvSpPr>
+        <p:spPr/>
+        <p:txBody>
+          <a:bodyPr/>
+          <a:lstStyle/>
+          <a:p>
+            <a:r>
+              <a:t>Economic Repercussions Addressed</a:t>
+            </a:r>
+          </a:p>
+        </p:txBody>
+      </p:sp>
+      <p:sp>
+        <p:nvSpPr>
+          <p:cNvPr id="3" name="Content Placeholder 2"/>
+          <p:cNvSpPr>
+            <a:spLocks noGrp="1"/>
+          </p:cNvSpPr>
+          <p:nvPr>
+            <p:ph idx="1"/>
+          </p:nvPr>
+        </p:nvSpPr>
+        <p:spPr/>
+        <p:txBody>
+          <a:bodyPr/>
+          <a:lstStyle/>
+          <a:p>
+            <a:r>
+              <a:rPr sz="2000"/>
+              <a:t>1. The briefing notes a rise in shipping prices due to increased fuel and insurance costs, exacerbated by the need to use longer alternative shipping routes.</a:t>
+            </a:r>
+          </a:p>
+          <a:p>
+            <a:r>
+              <a:rPr sz="2000"/>
+              <a:t>2. Delays caused by the diversion of shipping routes have led to disruptions in global supply chains, with some companies halting production.</a:t>
+            </a:r>
+          </a:p>
+          <a:p>
+            <a:r>
+              <a:rPr sz="2000"/>
+              <a:t>3. If the situation persists or worsens, it could further affect energy supplies and prices, contributing to higher inflation and complicating central bank efforts for economic stability.</a:t>
+            </a:r>
+          </a:p>
+          <a:p>
+            <a:r>
+              <a:rPr sz="2000"/>
+              <a:t>4. The document highlights concerns about high interest rates affecting developing countries, particularly those in Africa facing debt repayment risks.</a:t>
+            </a:r>
+          </a:p>
+          <a:p>
+            <a:r>
+              <a:rPr sz="2000"/>
+              <a:t>5. Following incidents suspected to involve damage to submarine communications cables, the European Commission adopted recommendations on improving the security and resilience of these critical infrastructures.</a:t>
             </a:r>
           </a:p>
         </p:txBody>
